--- a/Ace Digital Technical Assessment Q2.pptx
+++ b/Ace Digital Technical Assessment Q2.pptx
@@ -5,7 +5,7 @@
     <p:sldMasterId id="2147483659" r:id="rId1"/>
   </p:sldMasterIdLst>
   <p:notesMasterIdLst>
-    <p:notesMasterId r:id="rId23"/>
+    <p:notesMasterId r:id="rId24"/>
   </p:notesMasterIdLst>
   <p:sldIdLst>
     <p:sldId id="256" r:id="rId2"/>
@@ -14,38 +14,39 @@
     <p:sldId id="259" r:id="rId5"/>
     <p:sldId id="260" r:id="rId6"/>
     <p:sldId id="261" r:id="rId7"/>
-    <p:sldId id="262" r:id="rId8"/>
-    <p:sldId id="263" r:id="rId9"/>
-    <p:sldId id="264" r:id="rId10"/>
-    <p:sldId id="265" r:id="rId11"/>
-    <p:sldId id="266" r:id="rId12"/>
-    <p:sldId id="267" r:id="rId13"/>
-    <p:sldId id="268" r:id="rId14"/>
-    <p:sldId id="269" r:id="rId15"/>
-    <p:sldId id="270" r:id="rId16"/>
-    <p:sldId id="271" r:id="rId17"/>
-    <p:sldId id="272" r:id="rId18"/>
-    <p:sldId id="273" r:id="rId19"/>
-    <p:sldId id="274" r:id="rId20"/>
-    <p:sldId id="275" r:id="rId21"/>
-    <p:sldId id="276" r:id="rId22"/>
+    <p:sldId id="277" r:id="rId8"/>
+    <p:sldId id="262" r:id="rId9"/>
+    <p:sldId id="263" r:id="rId10"/>
+    <p:sldId id="264" r:id="rId11"/>
+    <p:sldId id="265" r:id="rId12"/>
+    <p:sldId id="266" r:id="rId13"/>
+    <p:sldId id="267" r:id="rId14"/>
+    <p:sldId id="268" r:id="rId15"/>
+    <p:sldId id="269" r:id="rId16"/>
+    <p:sldId id="270" r:id="rId17"/>
+    <p:sldId id="271" r:id="rId18"/>
+    <p:sldId id="272" r:id="rId19"/>
+    <p:sldId id="273" r:id="rId20"/>
+    <p:sldId id="274" r:id="rId21"/>
+    <p:sldId id="275" r:id="rId22"/>
+    <p:sldId id="276" r:id="rId23"/>
   </p:sldIdLst>
   <p:sldSz cx="9144000" cy="5143500" type="screen16x9"/>
   <p:notesSz cx="6858000" cy="9144000"/>
   <p:embeddedFontLst>
     <p:embeddedFont>
       <p:font typeface="Lato" panose="020F0502020204030203" pitchFamily="34" charset="0"/>
-      <p:regular r:id="rId24"/>
-      <p:bold r:id="rId25"/>
-      <p:italic r:id="rId26"/>
-      <p:boldItalic r:id="rId27"/>
+      <p:regular r:id="rId25"/>
+      <p:bold r:id="rId26"/>
+      <p:italic r:id="rId27"/>
+      <p:boldItalic r:id="rId28"/>
     </p:embeddedFont>
     <p:embeddedFont>
       <p:font typeface="Montserrat" panose="00000500000000000000" pitchFamily="2" charset="0"/>
-      <p:regular r:id="rId28"/>
-      <p:bold r:id="rId29"/>
-      <p:italic r:id="rId30"/>
-      <p:boldItalic r:id="rId31"/>
+      <p:regular r:id="rId29"/>
+      <p:bold r:id="rId30"/>
+      <p:italic r:id="rId31"/>
+      <p:boldItalic r:id="rId32"/>
     </p:embeddedFont>
   </p:embeddedFontLst>
   <p:defaultTextStyle>
@@ -1182,7 +1183,7 @@
         </p:nvSpPr>
         <p:spPr>
           <a:xfrm>
-            <a:off x="381300" y="685800"/>
+            <a:off x="381000" y="685800"/>
             <a:ext cx="6096000" cy="3429000"/>
           </a:xfrm>
           <a:custGeom>
@@ -1286,7 +1287,7 @@
         </p:nvSpPr>
         <p:spPr>
           <a:xfrm>
-            <a:off x="381300" y="685800"/>
+            <a:off x="381000" y="685800"/>
             <a:ext cx="6096000" cy="3429000"/>
           </a:xfrm>
           <a:custGeom>
@@ -1806,7 +1807,7 @@
         </p:nvSpPr>
         <p:spPr>
           <a:xfrm>
-            <a:off x="381300" y="685800"/>
+            <a:off x="381000" y="685800"/>
             <a:ext cx="6096000" cy="3429000"/>
           </a:xfrm>
           <a:custGeom>
@@ -11020,6 +11021,209 @@
   <p:cSld>
     <p:spTree>
       <p:nvGrpSpPr>
+        <p:cNvPr id="1" name="Shape 186"/>
+        <p:cNvGrpSpPr/>
+        <p:nvPr/>
+      </p:nvGrpSpPr>
+      <p:grpSpPr>
+        <a:xfrm>
+          <a:off x="0" y="0"/>
+          <a:ext cx="0" cy="0"/>
+          <a:chOff x="0" y="0"/>
+          <a:chExt cx="0" cy="0"/>
+        </a:xfrm>
+      </p:grpSpPr>
+      <p:sp>
+        <p:nvSpPr>
+          <p:cNvPr id="187" name="Google Shape;187;p21"/>
+          <p:cNvSpPr txBox="1">
+            <a:spLocks noGrp="1"/>
+          </p:cNvSpPr>
+          <p:nvPr>
+            <p:ph type="title"/>
+          </p:nvPr>
+        </p:nvSpPr>
+        <p:spPr>
+          <a:xfrm>
+            <a:off x="1297500" y="393750"/>
+            <a:ext cx="7038900" cy="914100"/>
+          </a:xfrm>
+          <a:prstGeom prst="rect">
+            <a:avLst/>
+          </a:prstGeom>
+        </p:spPr>
+        <p:txBody>
+          <a:bodyPr spcFirstLastPara="1" wrap="square" lIns="91425" tIns="91425" rIns="91425" bIns="91425" anchor="t" anchorCtr="0">
+            <a:normAutofit/>
+          </a:bodyPr>
+          <a:lstStyle/>
+          <a:p>
+            <a:pPr marL="0" lvl="0" indent="0" algn="l" rtl="0">
+              <a:spcBef>
+                <a:spcPts val="0"/>
+              </a:spcBef>
+              <a:spcAft>
+                <a:spcPts val="0"/>
+              </a:spcAft>
+              <a:buNone/>
+            </a:pPr>
+            <a:r>
+              <a:rPr lang="en-GB"/>
+              <a:t>Regression with Pycaret Library</a:t>
+            </a:r>
+            <a:endParaRPr/>
+          </a:p>
+        </p:txBody>
+      </p:sp>
+      <p:sp>
+        <p:nvSpPr>
+          <p:cNvPr id="188" name="Google Shape;188;p21"/>
+          <p:cNvSpPr txBox="1">
+            <a:spLocks noGrp="1"/>
+          </p:cNvSpPr>
+          <p:nvPr>
+            <p:ph type="body" idx="1"/>
+          </p:nvPr>
+        </p:nvSpPr>
+        <p:spPr>
+          <a:xfrm>
+            <a:off x="1297500" y="1577900"/>
+            <a:ext cx="3848100" cy="2911200"/>
+          </a:xfrm>
+          <a:prstGeom prst="rect">
+            <a:avLst/>
+          </a:prstGeom>
+        </p:spPr>
+        <p:txBody>
+          <a:bodyPr spcFirstLastPara="1" wrap="square" lIns="91425" tIns="91425" rIns="91425" bIns="91425" anchor="t" anchorCtr="0">
+            <a:normAutofit/>
+          </a:bodyPr>
+          <a:lstStyle/>
+          <a:p>
+            <a:pPr marL="457200" lvl="0" indent="-317500" algn="l" rtl="0">
+              <a:spcBef>
+                <a:spcPts val="0"/>
+              </a:spcBef>
+              <a:spcAft>
+                <a:spcPts val="0"/>
+              </a:spcAft>
+              <a:buSzPts val="1400"/>
+              <a:buChar char="●"/>
+            </a:pPr>
+            <a:r>
+              <a:rPr lang="en-GB" sz="1400"/>
+              <a:t>Pycaret is the primary python library used in this study to build and train machine learning model.</a:t>
+            </a:r>
+            <a:endParaRPr sz="1400"/>
+          </a:p>
+          <a:p>
+            <a:pPr marL="457200" lvl="0" indent="-317500" algn="l" rtl="0">
+              <a:spcBef>
+                <a:spcPts val="0"/>
+              </a:spcBef>
+              <a:spcAft>
+                <a:spcPts val="0"/>
+              </a:spcAft>
+              <a:buSzPts val="1400"/>
+              <a:buChar char="●"/>
+            </a:pPr>
+            <a:r>
+              <a:rPr lang="en-GB" sz="1400"/>
+              <a:t>PyCaret is an open source, low-code machine learning library in Python that allows user to go from preparing data to deploying machine learning model.</a:t>
+            </a:r>
+            <a:endParaRPr sz="1400"/>
+          </a:p>
+        </p:txBody>
+      </p:sp>
+      <p:pic>
+        <p:nvPicPr>
+          <p:cNvPr id="189" name="Google Shape;189;p21"/>
+          <p:cNvPicPr preferRelativeResize="0"/>
+          <p:nvPr/>
+        </p:nvPicPr>
+        <p:blipFill>
+          <a:blip r:embed="rId3">
+            <a:alphaModFix/>
+          </a:blip>
+          <a:stretch>
+            <a:fillRect/>
+          </a:stretch>
+        </p:blipFill>
+        <p:spPr>
+          <a:xfrm>
+            <a:off x="5251276" y="1998475"/>
+            <a:ext cx="3690676" cy="840975"/>
+          </a:xfrm>
+          <a:prstGeom prst="rect">
+            <a:avLst/>
+          </a:prstGeom>
+          <a:noFill/>
+          <a:ln>
+            <a:noFill/>
+          </a:ln>
+        </p:spPr>
+      </p:pic>
+      <p:sp>
+        <p:nvSpPr>
+          <p:cNvPr id="190" name="Google Shape;190;p21"/>
+          <p:cNvSpPr/>
+          <p:nvPr/>
+        </p:nvSpPr>
+        <p:spPr>
+          <a:xfrm>
+            <a:off x="5157550" y="1785575"/>
+            <a:ext cx="3913200" cy="1206900"/>
+          </a:xfrm>
+          <a:prstGeom prst="rect">
+            <a:avLst/>
+          </a:prstGeom>
+          <a:noFill/>
+          <a:ln w="9525" cap="flat" cmpd="sng">
+            <a:solidFill>
+              <a:schemeClr val="lt1"/>
+            </a:solidFill>
+            <a:prstDash val="solid"/>
+            <a:round/>
+            <a:headEnd type="none" w="sm" len="sm"/>
+            <a:tailEnd type="none" w="sm" len="sm"/>
+          </a:ln>
+        </p:spPr>
+        <p:txBody>
+          <a:bodyPr spcFirstLastPara="1" wrap="square" lIns="91425" tIns="91425" rIns="91425" bIns="91425" anchor="ctr" anchorCtr="0">
+            <a:noAutofit/>
+          </a:bodyPr>
+          <a:lstStyle/>
+          <a:p>
+            <a:pPr marL="0" lvl="0" indent="0" algn="l" rtl="0">
+              <a:spcBef>
+                <a:spcPts val="0"/>
+              </a:spcBef>
+              <a:spcAft>
+                <a:spcPts val="0"/>
+              </a:spcAft>
+              <a:buNone/>
+            </a:pPr>
+            <a:endParaRPr>
+              <a:highlight>
+                <a:schemeClr val="lt1"/>
+              </a:highlight>
+            </a:endParaRPr>
+          </a:p>
+        </p:txBody>
+      </p:sp>
+    </p:spTree>
+  </p:cSld>
+  <p:clrMapOvr>
+    <a:masterClrMapping/>
+  </p:clrMapOvr>
+</p:sld>
+</file>
+
+<file path=ppt/slides/slide11.xml><?xml version="1.0" encoding="utf-8"?>
+<p:sld xmlns:a="http://schemas.openxmlformats.org/drawingml/2006/main" xmlns:r="http://schemas.openxmlformats.org/officeDocument/2006/relationships" xmlns:p="http://schemas.openxmlformats.org/presentationml/2006/main">
+  <p:cSld>
+    <p:spTree>
+      <p:nvGrpSpPr>
         <p:cNvPr id="1" name="Shape 194"/>
         <p:cNvGrpSpPr/>
         <p:nvPr/>
@@ -11295,7 +11499,7 @@
 </p:sld>
 </file>
 
-<file path=ppt/slides/slide11.xml><?xml version="1.0" encoding="utf-8"?>
+<file path=ppt/slides/slide12.xml><?xml version="1.0" encoding="utf-8"?>
 <p:sld xmlns:a="http://schemas.openxmlformats.org/drawingml/2006/main" xmlns:r="http://schemas.openxmlformats.org/officeDocument/2006/relationships" xmlns:p="http://schemas.openxmlformats.org/presentationml/2006/main">
   <p:cSld>
     <p:spTree>
@@ -11433,7 +11637,7 @@
 </p:sld>
 </file>
 
-<file path=ppt/slides/slide12.xml><?xml version="1.0" encoding="utf-8"?>
+<file path=ppt/slides/slide13.xml><?xml version="1.0" encoding="utf-8"?>
 <p:sld xmlns:a="http://schemas.openxmlformats.org/drawingml/2006/main" xmlns:r="http://schemas.openxmlformats.org/officeDocument/2006/relationships" xmlns:p="http://schemas.openxmlformats.org/presentationml/2006/main">
   <p:cSld>
     <p:spTree>
@@ -11866,7 +12070,7 @@
 </p:sld>
 </file>
 
-<file path=ppt/slides/slide13.xml><?xml version="1.0" encoding="utf-8"?>
+<file path=ppt/slides/slide14.xml><?xml version="1.0" encoding="utf-8"?>
 <p:sld xmlns:a="http://schemas.openxmlformats.org/drawingml/2006/main" xmlns:r="http://schemas.openxmlformats.org/officeDocument/2006/relationships" xmlns:p="http://schemas.openxmlformats.org/presentationml/2006/main">
   <p:cSld>
     <p:spTree>
@@ -11993,7 +12197,7 @@
         </p:nvGraphicFramePr>
         <p:xfrm>
           <a:off x="3964100" y="1619300"/>
-          <a:ext cx="3000000" cy="3000000"/>
+          <a:ext cx="5028400" cy="2407770"/>
         </p:xfrm>
         <a:graphic>
           <a:graphicData uri="http://schemas.openxmlformats.org/drawingml/2006/table">
@@ -12699,7 +12903,7 @@
 </p:sld>
 </file>
 
-<file path=ppt/slides/slide14.xml><?xml version="1.0" encoding="utf-8"?>
+<file path=ppt/slides/slide15.xml><?xml version="1.0" encoding="utf-8"?>
 <p:sld xmlns:a="http://schemas.openxmlformats.org/drawingml/2006/main" xmlns:r="http://schemas.openxmlformats.org/officeDocument/2006/relationships" xmlns:p="http://schemas.openxmlformats.org/presentationml/2006/main">
   <p:cSld>
     <p:spTree>
@@ -12766,7 +12970,7 @@
         </p:nvGraphicFramePr>
         <p:xfrm>
           <a:off x="952500" y="1383125"/>
-          <a:ext cx="3000000" cy="3000000"/>
+          <a:ext cx="7239000" cy="3581130"/>
         </p:xfrm>
         <a:graphic>
           <a:graphicData uri="http://schemas.openxmlformats.org/drawingml/2006/table">
@@ -13424,7 +13628,7 @@
 </p:sld>
 </file>
 
-<file path=ppt/slides/slide15.xml><?xml version="1.0" encoding="utf-8"?>
+<file path=ppt/slides/slide16.xml><?xml version="1.0" encoding="utf-8"?>
 <p:sld xmlns:a="http://schemas.openxmlformats.org/drawingml/2006/main" xmlns:r="http://schemas.openxmlformats.org/officeDocument/2006/relationships" xmlns:p="http://schemas.openxmlformats.org/presentationml/2006/main">
   <p:cSld>
     <p:spTree>
@@ -13602,7 +13806,7 @@
 </p:sld>
 </file>
 
-<file path=ppt/slides/slide16.xml><?xml version="1.0" encoding="utf-8"?>
+<file path=ppt/slides/slide17.xml><?xml version="1.0" encoding="utf-8"?>
 <p:sld xmlns:a="http://schemas.openxmlformats.org/drawingml/2006/main" xmlns:r="http://schemas.openxmlformats.org/officeDocument/2006/relationships" xmlns:p="http://schemas.openxmlformats.org/presentationml/2006/main">
   <p:cSld>
     <p:spTree>
@@ -13697,7 +13901,7 @@
 </p:sld>
 </file>
 
-<file path=ppt/slides/slide17.xml><?xml version="1.0" encoding="utf-8"?>
+<file path=ppt/slides/slide18.xml><?xml version="1.0" encoding="utf-8"?>
 <p:sld xmlns:a="http://schemas.openxmlformats.org/drawingml/2006/main" xmlns:r="http://schemas.openxmlformats.org/officeDocument/2006/relationships" xmlns:p="http://schemas.openxmlformats.org/presentationml/2006/main">
   <p:cSld>
     <p:spTree>
@@ -13836,7 +14040,7 @@
 </p:sld>
 </file>
 
-<file path=ppt/slides/slide18.xml><?xml version="1.0" encoding="utf-8"?>
+<file path=ppt/slides/slide19.xml><?xml version="1.0" encoding="utf-8"?>
 <p:sld xmlns:a="http://schemas.openxmlformats.org/drawingml/2006/main" xmlns:r="http://schemas.openxmlformats.org/officeDocument/2006/relationships" xmlns:p="http://schemas.openxmlformats.org/presentationml/2006/main">
   <p:cSld>
     <p:spTree>
@@ -14040,223 +14244,6 @@
           </a:p>
         </p:txBody>
       </p:sp>
-    </p:spTree>
-  </p:cSld>
-  <p:clrMapOvr>
-    <a:masterClrMapping/>
-  </p:clrMapOvr>
-</p:sld>
-</file>
-
-<file path=ppt/slides/slide19.xml><?xml version="1.0" encoding="utf-8"?>
-<p:sld xmlns:a="http://schemas.openxmlformats.org/drawingml/2006/main" xmlns:r="http://schemas.openxmlformats.org/officeDocument/2006/relationships" xmlns:p="http://schemas.openxmlformats.org/presentationml/2006/main">
-  <p:cSld>
-    <p:spTree>
-      <p:nvGrpSpPr>
-        <p:cNvPr id="1" name="Shape 251"/>
-        <p:cNvGrpSpPr/>
-        <p:nvPr/>
-      </p:nvGrpSpPr>
-      <p:grpSpPr>
-        <a:xfrm>
-          <a:off x="0" y="0"/>
-          <a:ext cx="0" cy="0"/>
-          <a:chOff x="0" y="0"/>
-          <a:chExt cx="0" cy="0"/>
-        </a:xfrm>
-      </p:grpSpPr>
-      <p:sp>
-        <p:nvSpPr>
-          <p:cNvPr id="252" name="Google Shape;252;p31"/>
-          <p:cNvSpPr txBox="1">
-            <a:spLocks noGrp="1"/>
-          </p:cNvSpPr>
-          <p:nvPr>
-            <p:ph type="title"/>
-          </p:nvPr>
-        </p:nvSpPr>
-        <p:spPr>
-          <a:xfrm>
-            <a:off x="1297500" y="393750"/>
-            <a:ext cx="7038900" cy="914100"/>
-          </a:xfrm>
-          <a:prstGeom prst="rect">
-            <a:avLst/>
-          </a:prstGeom>
-        </p:spPr>
-        <p:txBody>
-          <a:bodyPr spcFirstLastPara="1" wrap="square" lIns="91425" tIns="91425" rIns="91425" bIns="91425" anchor="t" anchorCtr="0">
-            <a:normAutofit/>
-          </a:bodyPr>
-          <a:lstStyle/>
-          <a:p>
-            <a:pPr marL="0" lvl="0" indent="0" algn="l" rtl="0">
-              <a:spcBef>
-                <a:spcPts val="0"/>
-              </a:spcBef>
-              <a:spcAft>
-                <a:spcPts val="0"/>
-              </a:spcAft>
-              <a:buNone/>
-            </a:pPr>
-            <a:r>
-              <a:rPr lang="en-GB"/>
-              <a:t>Local Explanation - Waterfall Plot (1)</a:t>
-            </a:r>
-            <a:endParaRPr/>
-          </a:p>
-        </p:txBody>
-      </p:sp>
-      <p:sp>
-        <p:nvSpPr>
-          <p:cNvPr id="253" name="Google Shape;253;p31"/>
-          <p:cNvSpPr txBox="1">
-            <a:spLocks noGrp="1"/>
-          </p:cNvSpPr>
-          <p:nvPr>
-            <p:ph type="body" idx="1"/>
-          </p:nvPr>
-        </p:nvSpPr>
-        <p:spPr>
-          <a:xfrm>
-            <a:off x="314325" y="1463575"/>
-            <a:ext cx="4034400" cy="3363300"/>
-          </a:xfrm>
-          <a:prstGeom prst="rect">
-            <a:avLst/>
-          </a:prstGeom>
-        </p:spPr>
-        <p:txBody>
-          <a:bodyPr spcFirstLastPara="1" wrap="square" lIns="91425" tIns="91425" rIns="91425" bIns="91425" anchor="t" anchorCtr="0">
-            <a:normAutofit fontScale="92500" lnSpcReduction="10000"/>
-          </a:bodyPr>
-          <a:lstStyle/>
-          <a:p>
-            <a:pPr marL="0" lvl="0" indent="0" algn="l" rtl="0">
-              <a:spcBef>
-                <a:spcPts val="0"/>
-              </a:spcBef>
-              <a:spcAft>
-                <a:spcPts val="0"/>
-              </a:spcAft>
-              <a:buNone/>
-            </a:pPr>
-            <a:r>
-              <a:rPr lang="en-GB"/>
-              <a:t>Date: August 2013.</a:t>
-            </a:r>
-            <a:endParaRPr/>
-          </a:p>
-          <a:p>
-            <a:pPr marL="0" lvl="0" indent="0" algn="l" rtl="0">
-              <a:spcBef>
-                <a:spcPts val="1200"/>
-              </a:spcBef>
-              <a:spcAft>
-                <a:spcPts val="0"/>
-              </a:spcAft>
-              <a:buNone/>
-            </a:pPr>
-            <a:r>
-              <a:rPr lang="en-GB"/>
-              <a:t>The base value of the value of the model start at 1.644.</a:t>
-            </a:r>
-            <a:endParaRPr/>
-          </a:p>
-          <a:p>
-            <a:pPr marL="0" lvl="0" indent="0" algn="l" rtl="0">
-              <a:spcBef>
-                <a:spcPts val="1200"/>
-              </a:spcBef>
-              <a:spcAft>
-                <a:spcPts val="0"/>
-              </a:spcAft>
-              <a:buNone/>
-            </a:pPr>
-            <a:r>
-              <a:rPr lang="en-GB"/>
-              <a:t>The Moving Average of the Average Temp is at the higher end as it has exceed 75 Percentile of the Average Temp at 27.27. </a:t>
-            </a:r>
-            <a:endParaRPr/>
-          </a:p>
-          <a:p>
-            <a:pPr marL="0" lvl="0" indent="0" algn="l" rtl="0">
-              <a:spcBef>
-                <a:spcPts val="1200"/>
-              </a:spcBef>
-              <a:spcAft>
-                <a:spcPts val="0"/>
-              </a:spcAft>
-              <a:buNone/>
-            </a:pPr>
-            <a:r>
-              <a:rPr lang="en-GB"/>
-              <a:t>So it contribute to a lot of  positive value to the base value.</a:t>
-            </a:r>
-            <a:endParaRPr/>
-          </a:p>
-          <a:p>
-            <a:pPr marL="0" lvl="0" indent="0" algn="l" rtl="0">
-              <a:spcBef>
-                <a:spcPts val="1200"/>
-              </a:spcBef>
-              <a:spcAft>
-                <a:spcPts val="0"/>
-              </a:spcAft>
-              <a:buNone/>
-            </a:pPr>
-            <a:r>
-              <a:rPr lang="en-GB"/>
-              <a:t>However, the Precipitation of 133.6 is lower than the 25 Percentile. So it also contribute high negative value to the base value. </a:t>
-            </a:r>
-            <a:endParaRPr/>
-          </a:p>
-          <a:p>
-            <a:pPr marL="0" lvl="0" indent="0" algn="l" rtl="0">
-              <a:spcBef>
-                <a:spcPts val="1200"/>
-              </a:spcBef>
-              <a:spcAft>
-                <a:spcPts val="1200"/>
-              </a:spcAft>
-              <a:buNone/>
-            </a:pPr>
-            <a:r>
-              <a:rPr lang="en-GB"/>
-              <a:t>Other features contribute some small positive and negative value to the based value. At the end, the model predict the FFB Yield is 1.7</a:t>
-            </a:r>
-            <a:endParaRPr/>
-          </a:p>
-        </p:txBody>
-      </p:sp>
-      <p:pic>
-        <p:nvPicPr>
-          <p:cNvPr id="254" name="Google Shape;254;p31"/>
-          <p:cNvPicPr preferRelativeResize="0"/>
-          <p:nvPr/>
-        </p:nvPicPr>
-        <p:blipFill>
-          <a:blip r:embed="rId3">
-            <a:alphaModFix/>
-          </a:blip>
-          <a:stretch>
-            <a:fillRect/>
-          </a:stretch>
-        </p:blipFill>
-        <p:spPr>
-          <a:xfrm>
-            <a:off x="4572000" y="1359600"/>
-            <a:ext cx="4310025" cy="3119150"/>
-          </a:xfrm>
-          <a:prstGeom prst="rect">
-            <a:avLst/>
-          </a:prstGeom>
-          <a:noFill/>
-          <a:ln>
-            <a:noFill/>
-          </a:ln>
-        </p:spPr>
-      </p:pic>
     </p:spTree>
   </p:cSld>
   <p:clrMapOvr>
@@ -14414,6 +14401,223 @@
   <p:cSld>
     <p:spTree>
       <p:nvGrpSpPr>
+        <p:cNvPr id="1" name="Shape 251"/>
+        <p:cNvGrpSpPr/>
+        <p:nvPr/>
+      </p:nvGrpSpPr>
+      <p:grpSpPr>
+        <a:xfrm>
+          <a:off x="0" y="0"/>
+          <a:ext cx="0" cy="0"/>
+          <a:chOff x="0" y="0"/>
+          <a:chExt cx="0" cy="0"/>
+        </a:xfrm>
+      </p:grpSpPr>
+      <p:sp>
+        <p:nvSpPr>
+          <p:cNvPr id="252" name="Google Shape;252;p31"/>
+          <p:cNvSpPr txBox="1">
+            <a:spLocks noGrp="1"/>
+          </p:cNvSpPr>
+          <p:nvPr>
+            <p:ph type="title"/>
+          </p:nvPr>
+        </p:nvSpPr>
+        <p:spPr>
+          <a:xfrm>
+            <a:off x="1297500" y="393750"/>
+            <a:ext cx="7038900" cy="914100"/>
+          </a:xfrm>
+          <a:prstGeom prst="rect">
+            <a:avLst/>
+          </a:prstGeom>
+        </p:spPr>
+        <p:txBody>
+          <a:bodyPr spcFirstLastPara="1" wrap="square" lIns="91425" tIns="91425" rIns="91425" bIns="91425" anchor="t" anchorCtr="0">
+            <a:normAutofit/>
+          </a:bodyPr>
+          <a:lstStyle/>
+          <a:p>
+            <a:pPr marL="0" lvl="0" indent="0" algn="l" rtl="0">
+              <a:spcBef>
+                <a:spcPts val="0"/>
+              </a:spcBef>
+              <a:spcAft>
+                <a:spcPts val="0"/>
+              </a:spcAft>
+              <a:buNone/>
+            </a:pPr>
+            <a:r>
+              <a:rPr lang="en-GB"/>
+              <a:t>Local Explanation - Waterfall Plot (1)</a:t>
+            </a:r>
+            <a:endParaRPr/>
+          </a:p>
+        </p:txBody>
+      </p:sp>
+      <p:sp>
+        <p:nvSpPr>
+          <p:cNvPr id="253" name="Google Shape;253;p31"/>
+          <p:cNvSpPr txBox="1">
+            <a:spLocks noGrp="1"/>
+          </p:cNvSpPr>
+          <p:nvPr>
+            <p:ph type="body" idx="1"/>
+          </p:nvPr>
+        </p:nvSpPr>
+        <p:spPr>
+          <a:xfrm>
+            <a:off x="314325" y="1463575"/>
+            <a:ext cx="4034400" cy="3363300"/>
+          </a:xfrm>
+          <a:prstGeom prst="rect">
+            <a:avLst/>
+          </a:prstGeom>
+        </p:spPr>
+        <p:txBody>
+          <a:bodyPr spcFirstLastPara="1" wrap="square" lIns="91425" tIns="91425" rIns="91425" bIns="91425" anchor="t" anchorCtr="0">
+            <a:normAutofit fontScale="92500" lnSpcReduction="20000"/>
+          </a:bodyPr>
+          <a:lstStyle/>
+          <a:p>
+            <a:pPr marL="0" lvl="0" indent="0" algn="l" rtl="0">
+              <a:spcBef>
+                <a:spcPts val="0"/>
+              </a:spcBef>
+              <a:spcAft>
+                <a:spcPts val="0"/>
+              </a:spcAft>
+              <a:buNone/>
+            </a:pPr>
+            <a:r>
+              <a:rPr lang="en-GB" dirty="0"/>
+              <a:t>Date: August 2013.</a:t>
+            </a:r>
+            <a:endParaRPr dirty="0"/>
+          </a:p>
+          <a:p>
+            <a:pPr marL="0" lvl="0" indent="0" algn="l" rtl="0">
+              <a:spcBef>
+                <a:spcPts val="1200"/>
+              </a:spcBef>
+              <a:spcAft>
+                <a:spcPts val="0"/>
+              </a:spcAft>
+              <a:buNone/>
+            </a:pPr>
+            <a:r>
+              <a:rPr lang="en-GB" dirty="0"/>
+              <a:t>The base value of the value of the model start at 1.644.</a:t>
+            </a:r>
+            <a:endParaRPr dirty="0"/>
+          </a:p>
+          <a:p>
+            <a:pPr marL="0" lvl="0" indent="0" algn="l" rtl="0">
+              <a:spcBef>
+                <a:spcPts val="1200"/>
+              </a:spcBef>
+              <a:spcAft>
+                <a:spcPts val="0"/>
+              </a:spcAft>
+              <a:buNone/>
+            </a:pPr>
+            <a:r>
+              <a:rPr lang="en-GB" dirty="0"/>
+              <a:t>The Moving Average of the Average Temp is at the higher end as it has exceed 75 Percentile of the Average Temp at 27.14. </a:t>
+            </a:r>
+            <a:endParaRPr dirty="0"/>
+          </a:p>
+          <a:p>
+            <a:pPr marL="0" lvl="0" indent="0" algn="l" rtl="0">
+              <a:spcBef>
+                <a:spcPts val="1200"/>
+              </a:spcBef>
+              <a:spcAft>
+                <a:spcPts val="0"/>
+              </a:spcAft>
+              <a:buNone/>
+            </a:pPr>
+            <a:r>
+              <a:rPr lang="en-GB" dirty="0"/>
+              <a:t>So it contribute to a lot of  positive value to the base value.</a:t>
+            </a:r>
+            <a:endParaRPr dirty="0"/>
+          </a:p>
+          <a:p>
+            <a:pPr marL="0" lvl="0" indent="0" algn="l" rtl="0">
+              <a:spcBef>
+                <a:spcPts val="1200"/>
+              </a:spcBef>
+              <a:spcAft>
+                <a:spcPts val="0"/>
+              </a:spcAft>
+              <a:buNone/>
+            </a:pPr>
+            <a:r>
+              <a:rPr lang="en-GB" dirty="0"/>
+              <a:t>However, the Precipitation of 133.6 is lower than the 25 Percentile. So it also contribute high negative value to the base value. </a:t>
+            </a:r>
+            <a:endParaRPr dirty="0"/>
+          </a:p>
+          <a:p>
+            <a:pPr marL="0" lvl="0" indent="0" algn="l" rtl="0">
+              <a:spcBef>
+                <a:spcPts val="1200"/>
+              </a:spcBef>
+              <a:spcAft>
+                <a:spcPts val="1200"/>
+              </a:spcAft>
+              <a:buNone/>
+            </a:pPr>
+            <a:r>
+              <a:rPr lang="en-GB" dirty="0"/>
+              <a:t>Other features contribute some small positive and negative value to the based value. At the end, the model predict the FFB Yield is 1.7</a:t>
+            </a:r>
+            <a:endParaRPr dirty="0"/>
+          </a:p>
+        </p:txBody>
+      </p:sp>
+      <p:pic>
+        <p:nvPicPr>
+          <p:cNvPr id="254" name="Google Shape;254;p31"/>
+          <p:cNvPicPr preferRelativeResize="0"/>
+          <p:nvPr/>
+        </p:nvPicPr>
+        <p:blipFill>
+          <a:blip r:embed="rId3">
+            <a:alphaModFix/>
+          </a:blip>
+          <a:stretch>
+            <a:fillRect/>
+          </a:stretch>
+        </p:blipFill>
+        <p:spPr>
+          <a:xfrm>
+            <a:off x="4572000" y="1359600"/>
+            <a:ext cx="4310025" cy="3119150"/>
+          </a:xfrm>
+          <a:prstGeom prst="rect">
+            <a:avLst/>
+          </a:prstGeom>
+          <a:noFill/>
+          <a:ln>
+            <a:noFill/>
+          </a:ln>
+        </p:spPr>
+      </p:pic>
+    </p:spTree>
+  </p:cSld>
+  <p:clrMapOvr>
+    <a:masterClrMapping/>
+  </p:clrMapOvr>
+</p:sld>
+</file>
+
+<file path=ppt/slides/slide21.xml><?xml version="1.0" encoding="utf-8"?>
+<p:sld xmlns:a="http://schemas.openxmlformats.org/drawingml/2006/main" xmlns:r="http://schemas.openxmlformats.org/officeDocument/2006/relationships" xmlns:p="http://schemas.openxmlformats.org/presentationml/2006/main">
+  <p:cSld>
+    <p:spTree>
+      <p:nvGrpSpPr>
         <p:cNvPr id="1" name="Shape 258"/>
         <p:cNvGrpSpPr/>
         <p:nvPr/>
@@ -14622,7 +14826,7 @@
 </p:sld>
 </file>
 
-<file path=ppt/slides/slide21.xml><?xml version="1.0" encoding="utf-8"?>
+<file path=ppt/slides/slide22.xml><?xml version="1.0" encoding="utf-8"?>
 <p:sld xmlns:a="http://schemas.openxmlformats.org/drawingml/2006/main" xmlns:r="http://schemas.openxmlformats.org/officeDocument/2006/relationships" xmlns:p="http://schemas.openxmlformats.org/presentationml/2006/main">
   <p:cSld>
     <p:spTree>
@@ -15529,6 +15733,95 @@
   <p:cSld>
     <p:spTree>
       <p:nvGrpSpPr>
+        <p:cNvPr id="1" name=""/>
+        <p:cNvGrpSpPr/>
+        <p:nvPr/>
+      </p:nvGrpSpPr>
+      <p:grpSpPr>
+        <a:xfrm>
+          <a:off x="0" y="0"/>
+          <a:ext cx="0" cy="0"/>
+          <a:chOff x="0" y="0"/>
+          <a:chExt cx="0" cy="0"/>
+        </a:xfrm>
+      </p:grpSpPr>
+      <p:sp>
+        <p:nvSpPr>
+          <p:cNvPr id="2" name="Title 1">
+            <a:extLst>
+              <a:ext uri="{FF2B5EF4-FFF2-40B4-BE49-F238E27FC236}">
+                <a16:creationId xmlns:a16="http://schemas.microsoft.com/office/drawing/2014/main" id="{9316B31D-E315-5FA7-EB21-BE3C6D5BA2C3}"/>
+              </a:ext>
+            </a:extLst>
+          </p:cNvPr>
+          <p:cNvSpPr>
+            <a:spLocks noGrp="1"/>
+          </p:cNvSpPr>
+          <p:nvPr>
+            <p:ph type="title"/>
+          </p:nvPr>
+        </p:nvSpPr>
+        <p:spPr/>
+        <p:txBody>
+          <a:bodyPr/>
+          <a:lstStyle/>
+          <a:p>
+            <a:r>
+              <a:rPr lang="en-US" dirty="0"/>
+              <a:t>Stats Data For New Feature</a:t>
+            </a:r>
+            <a:endParaRPr lang="en-MY" dirty="0"/>
+          </a:p>
+        </p:txBody>
+      </p:sp>
+      <p:pic>
+        <p:nvPicPr>
+          <p:cNvPr id="5" name="Picture 4">
+            <a:extLst>
+              <a:ext uri="{FF2B5EF4-FFF2-40B4-BE49-F238E27FC236}">
+                <a16:creationId xmlns:a16="http://schemas.microsoft.com/office/drawing/2014/main" id="{90103705-9AFB-11B2-47CE-AA3FD2C0C3EC}"/>
+              </a:ext>
+            </a:extLst>
+          </p:cNvPr>
+          <p:cNvPicPr>
+            <a:picLocks noChangeAspect="1"/>
+          </p:cNvPicPr>
+          <p:nvPr/>
+        </p:nvPicPr>
+        <p:blipFill>
+          <a:blip r:embed="rId2"/>
+          <a:stretch>
+            <a:fillRect/>
+          </a:stretch>
+        </p:blipFill>
+        <p:spPr>
+          <a:xfrm>
+            <a:off x="621506" y="1698036"/>
+            <a:ext cx="8155110" cy="2650228"/>
+          </a:xfrm>
+          <a:prstGeom prst="rect">
+            <a:avLst/>
+          </a:prstGeom>
+        </p:spPr>
+      </p:pic>
+    </p:spTree>
+    <p:extLst>
+      <p:ext uri="{BB962C8B-B14F-4D97-AF65-F5344CB8AC3E}">
+        <p14:creationId xmlns:p14="http://schemas.microsoft.com/office/powerpoint/2010/main" val="1856751175"/>
+      </p:ext>
+    </p:extLst>
+  </p:cSld>
+  <p:clrMapOvr>
+    <a:masterClrMapping/>
+  </p:clrMapOvr>
+</p:sld>
+</file>
+
+<file path=ppt/slides/slide8.xml><?xml version="1.0" encoding="utf-8"?>
+<p:sld xmlns:a="http://schemas.openxmlformats.org/drawingml/2006/main" xmlns:r="http://schemas.openxmlformats.org/officeDocument/2006/relationships" xmlns:p="http://schemas.openxmlformats.org/presentationml/2006/main">
+  <p:cSld>
+    <p:spTree>
+      <p:nvGrpSpPr>
         <p:cNvPr id="1" name="Shape 172"/>
         <p:cNvGrpSpPr/>
         <p:nvPr/>
@@ -15713,7 +16006,7 @@
 </p:sld>
 </file>
 
-<file path=ppt/slides/slide8.xml><?xml version="1.0" encoding="utf-8"?>
+<file path=ppt/slides/slide9.xml><?xml version="1.0" encoding="utf-8"?>
 <p:sld xmlns:a="http://schemas.openxmlformats.org/drawingml/2006/main" xmlns:r="http://schemas.openxmlformats.org/officeDocument/2006/relationships" xmlns:p="http://schemas.openxmlformats.org/presentationml/2006/main">
   <p:cSld>
     <p:spTree>
@@ -15808,10 +16101,10 @@
               <a:buChar char="●"/>
             </a:pPr>
             <a:r>
-              <a:rPr lang="en-GB" sz="1400"/>
+              <a:rPr lang="en-GB" sz="1400" dirty="0"/>
               <a:t>A 6 month moving average of Precipitation has total opposite effect compare to Precipitation of the month</a:t>
             </a:r>
-            <a:endParaRPr sz="1400"/>
+            <a:endParaRPr sz="1400" dirty="0"/>
           </a:p>
           <a:p>
             <a:pPr marL="457200" lvl="0" indent="-317500" algn="l" rtl="0">
@@ -15825,18 +16118,18 @@
               <a:buChar char="●"/>
             </a:pPr>
             <a:r>
-              <a:rPr lang="en-GB" sz="1400"/>
+              <a:rPr lang="en-GB" sz="1400" dirty="0"/>
               <a:t>Correlation of </a:t>
             </a:r>
             <a:r>
-              <a:rPr lang="en-GB"/>
+              <a:rPr lang="en-GB" dirty="0"/>
               <a:t>Precipitation</a:t>
             </a:r>
             <a:r>
-              <a:rPr lang="en-GB" sz="1400"/>
+              <a:rPr lang="en-GB" sz="1400" dirty="0"/>
               <a:t> is 0.29</a:t>
             </a:r>
-            <a:endParaRPr sz="1400"/>
+            <a:endParaRPr sz="1400" dirty="0"/>
           </a:p>
           <a:p>
             <a:pPr marL="457200" lvl="0" indent="-317500" algn="l" rtl="0">
@@ -15850,10 +16143,18 @@
               <a:buChar char="●"/>
             </a:pPr>
             <a:r>
-              <a:rPr lang="en-GB" sz="1400"/>
-              <a:t>Correlation Average_Temp_ma is -0.26.</a:t>
+              <a:rPr lang="en-GB" sz="1400" dirty="0"/>
+              <a:t>Correlation </a:t>
             </a:r>
-            <a:endParaRPr sz="1400"/>
+            <a:r>
+              <a:rPr lang="en-GB" sz="1400" dirty="0" err="1"/>
+              <a:t>Average_Temp_ma</a:t>
+            </a:r>
+            <a:r>
+              <a:rPr lang="en-GB" sz="1400" dirty="0"/>
+              <a:t> is -0.26.</a:t>
+            </a:r>
+            <a:endParaRPr sz="1400" dirty="0"/>
           </a:p>
           <a:p>
             <a:pPr marL="457200" lvl="0" indent="-317500" algn="l" rtl="0">
@@ -15867,10 +16168,10 @@
               <a:buChar char="●"/>
             </a:pPr>
             <a:r>
-              <a:rPr lang="en-GB" sz="1400"/>
+              <a:rPr lang="en-GB" sz="1400" dirty="0"/>
               <a:t>The 6 month moving average of Precipitation has become negative correlate with FFB Yield.</a:t>
             </a:r>
-            <a:endParaRPr sz="1400"/>
+            <a:endParaRPr sz="1400" dirty="0"/>
           </a:p>
         </p:txBody>
       </p:sp>
@@ -15902,209 +16203,6 @@
           </a:ln>
         </p:spPr>
       </p:pic>
-    </p:spTree>
-  </p:cSld>
-  <p:clrMapOvr>
-    <a:masterClrMapping/>
-  </p:clrMapOvr>
-</p:sld>
-</file>
-
-<file path=ppt/slides/slide9.xml><?xml version="1.0" encoding="utf-8"?>
-<p:sld xmlns:a="http://schemas.openxmlformats.org/drawingml/2006/main" xmlns:r="http://schemas.openxmlformats.org/officeDocument/2006/relationships" xmlns:p="http://schemas.openxmlformats.org/presentationml/2006/main">
-  <p:cSld>
-    <p:spTree>
-      <p:nvGrpSpPr>
-        <p:cNvPr id="1" name="Shape 186"/>
-        <p:cNvGrpSpPr/>
-        <p:nvPr/>
-      </p:nvGrpSpPr>
-      <p:grpSpPr>
-        <a:xfrm>
-          <a:off x="0" y="0"/>
-          <a:ext cx="0" cy="0"/>
-          <a:chOff x="0" y="0"/>
-          <a:chExt cx="0" cy="0"/>
-        </a:xfrm>
-      </p:grpSpPr>
-      <p:sp>
-        <p:nvSpPr>
-          <p:cNvPr id="187" name="Google Shape;187;p21"/>
-          <p:cNvSpPr txBox="1">
-            <a:spLocks noGrp="1"/>
-          </p:cNvSpPr>
-          <p:nvPr>
-            <p:ph type="title"/>
-          </p:nvPr>
-        </p:nvSpPr>
-        <p:spPr>
-          <a:xfrm>
-            <a:off x="1297500" y="393750"/>
-            <a:ext cx="7038900" cy="914100"/>
-          </a:xfrm>
-          <a:prstGeom prst="rect">
-            <a:avLst/>
-          </a:prstGeom>
-        </p:spPr>
-        <p:txBody>
-          <a:bodyPr spcFirstLastPara="1" wrap="square" lIns="91425" tIns="91425" rIns="91425" bIns="91425" anchor="t" anchorCtr="0">
-            <a:normAutofit/>
-          </a:bodyPr>
-          <a:lstStyle/>
-          <a:p>
-            <a:pPr marL="0" lvl="0" indent="0" algn="l" rtl="0">
-              <a:spcBef>
-                <a:spcPts val="0"/>
-              </a:spcBef>
-              <a:spcAft>
-                <a:spcPts val="0"/>
-              </a:spcAft>
-              <a:buNone/>
-            </a:pPr>
-            <a:r>
-              <a:rPr lang="en-GB"/>
-              <a:t>Regression with Pycaret Library</a:t>
-            </a:r>
-            <a:endParaRPr/>
-          </a:p>
-        </p:txBody>
-      </p:sp>
-      <p:sp>
-        <p:nvSpPr>
-          <p:cNvPr id="188" name="Google Shape;188;p21"/>
-          <p:cNvSpPr txBox="1">
-            <a:spLocks noGrp="1"/>
-          </p:cNvSpPr>
-          <p:nvPr>
-            <p:ph type="body" idx="1"/>
-          </p:nvPr>
-        </p:nvSpPr>
-        <p:spPr>
-          <a:xfrm>
-            <a:off x="1297500" y="1577900"/>
-            <a:ext cx="3848100" cy="2911200"/>
-          </a:xfrm>
-          <a:prstGeom prst="rect">
-            <a:avLst/>
-          </a:prstGeom>
-        </p:spPr>
-        <p:txBody>
-          <a:bodyPr spcFirstLastPara="1" wrap="square" lIns="91425" tIns="91425" rIns="91425" bIns="91425" anchor="t" anchorCtr="0">
-            <a:normAutofit/>
-          </a:bodyPr>
-          <a:lstStyle/>
-          <a:p>
-            <a:pPr marL="457200" lvl="0" indent="-317500" algn="l" rtl="0">
-              <a:spcBef>
-                <a:spcPts val="0"/>
-              </a:spcBef>
-              <a:spcAft>
-                <a:spcPts val="0"/>
-              </a:spcAft>
-              <a:buSzPts val="1400"/>
-              <a:buChar char="●"/>
-            </a:pPr>
-            <a:r>
-              <a:rPr lang="en-GB" sz="1400"/>
-              <a:t>Pycaret is the primary python library used in this study to build and train machine learning model.</a:t>
-            </a:r>
-            <a:endParaRPr sz="1400"/>
-          </a:p>
-          <a:p>
-            <a:pPr marL="457200" lvl="0" indent="-317500" algn="l" rtl="0">
-              <a:spcBef>
-                <a:spcPts val="0"/>
-              </a:spcBef>
-              <a:spcAft>
-                <a:spcPts val="0"/>
-              </a:spcAft>
-              <a:buSzPts val="1400"/>
-              <a:buChar char="●"/>
-            </a:pPr>
-            <a:r>
-              <a:rPr lang="en-GB" sz="1400"/>
-              <a:t>PyCaret is an open source, low-code machine learning library in Python that allows user to go from preparing data to deploying machine learning model.</a:t>
-            </a:r>
-            <a:endParaRPr sz="1400"/>
-          </a:p>
-        </p:txBody>
-      </p:sp>
-      <p:pic>
-        <p:nvPicPr>
-          <p:cNvPr id="189" name="Google Shape;189;p21"/>
-          <p:cNvPicPr preferRelativeResize="0"/>
-          <p:nvPr/>
-        </p:nvPicPr>
-        <p:blipFill>
-          <a:blip r:embed="rId3">
-            <a:alphaModFix/>
-          </a:blip>
-          <a:stretch>
-            <a:fillRect/>
-          </a:stretch>
-        </p:blipFill>
-        <p:spPr>
-          <a:xfrm>
-            <a:off x="5251276" y="1998475"/>
-            <a:ext cx="3690676" cy="840975"/>
-          </a:xfrm>
-          <a:prstGeom prst="rect">
-            <a:avLst/>
-          </a:prstGeom>
-          <a:noFill/>
-          <a:ln>
-            <a:noFill/>
-          </a:ln>
-        </p:spPr>
-      </p:pic>
-      <p:sp>
-        <p:nvSpPr>
-          <p:cNvPr id="190" name="Google Shape;190;p21"/>
-          <p:cNvSpPr/>
-          <p:nvPr/>
-        </p:nvSpPr>
-        <p:spPr>
-          <a:xfrm>
-            <a:off x="5157550" y="1785575"/>
-            <a:ext cx="3913200" cy="1206900"/>
-          </a:xfrm>
-          <a:prstGeom prst="rect">
-            <a:avLst/>
-          </a:prstGeom>
-          <a:noFill/>
-          <a:ln w="9525" cap="flat" cmpd="sng">
-            <a:solidFill>
-              <a:schemeClr val="lt1"/>
-            </a:solidFill>
-            <a:prstDash val="solid"/>
-            <a:round/>
-            <a:headEnd type="none" w="sm" len="sm"/>
-            <a:tailEnd type="none" w="sm" len="sm"/>
-          </a:ln>
-        </p:spPr>
-        <p:txBody>
-          <a:bodyPr spcFirstLastPara="1" wrap="square" lIns="91425" tIns="91425" rIns="91425" bIns="91425" anchor="ctr" anchorCtr="0">
-            <a:noAutofit/>
-          </a:bodyPr>
-          <a:lstStyle/>
-          <a:p>
-            <a:pPr marL="0" lvl="0" indent="0" algn="l" rtl="0">
-              <a:spcBef>
-                <a:spcPts val="0"/>
-              </a:spcBef>
-              <a:spcAft>
-                <a:spcPts val="0"/>
-              </a:spcAft>
-              <a:buNone/>
-            </a:pPr>
-            <a:endParaRPr>
-              <a:highlight>
-                <a:schemeClr val="lt1"/>
-              </a:highlight>
-            </a:endParaRPr>
-          </a:p>
-        </p:txBody>
-      </p:sp>
     </p:spTree>
   </p:cSld>
   <p:clrMapOvr>
